--- a/Images/Figures_PPT/ComponentsDiscobaPieChart.pptx
+++ b/Images/Figures_PPT/ComponentsDiscobaPieChart.pptx
@@ -2493,7 +2493,7 @@
               </a:pathLst>
             </a:custGeom>
             <a:solidFill>
-              <a:srgbClr val="C77CFF">
+              <a:srgbClr val="CE8964">
                 <a:alpha val="100000"/>
               </a:srgbClr>
             </a:solidFill>
@@ -2740,7 +2740,7 @@
               </a:pathLst>
             </a:custGeom>
             <a:solidFill>
-              <a:srgbClr val="00BFC4">
+              <a:srgbClr val="9CC5A1">
                 <a:alpha val="100000"/>
               </a:srgbClr>
             </a:solidFill>
@@ -3452,7 +3452,7 @@
               </a:pathLst>
             </a:custGeom>
             <a:solidFill>
-              <a:srgbClr val="7CAE00">
+              <a:srgbClr val="DACC3E">
                 <a:alpha val="100000"/>
               </a:srgbClr>
             </a:solidFill>
@@ -3675,7 +3675,7 @@
               </a:pathLst>
             </a:custGeom>
             <a:solidFill>
-              <a:srgbClr val="F8766D">
+              <a:srgbClr val="819595">
                 <a:alpha val="100000"/>
               </a:srgbClr>
             </a:solidFill>

--- a/Images/Figures_PPT/ComponentsDiscobaPieChart.pptx
+++ b/Images/Figures_PPT/ComponentsDiscobaPieChart.pptx
@@ -2298,1154 +2298,741 @@
           </p:nvSpPr>
           <p:spPr>
             <a:xfrm>
-              <a:off x="5486400" y="1749568"/>
-              <a:ext cx="316318" cy="2473613"/>
+              <a:off x="3012875" y="1749568"/>
+              <a:ext cx="4947049" cy="4946871"/>
             </a:xfrm>
             <a:custGeom>
               <a:avLst/>
               <a:pathLst>
-                <a:path w="316318" h="2473613">
+                <a:path w="4947049" h="4946871">
                   <a:moveTo>
-                    <a:pt x="0" y="2473613"/>
+                    <a:pt x="2473524" y="2473613"/>
                   </a:moveTo>
                   <a:lnTo>
-                    <a:pt x="10907" y="2389017"/>
-                  </a:lnTo>
-                  <a:lnTo>
-                    <a:pt x="21815" y="2304420"/>
-                  </a:lnTo>
-                  <a:lnTo>
-                    <a:pt x="32722" y="2219823"/>
-                  </a:lnTo>
-                  <a:lnTo>
-                    <a:pt x="43630" y="2135226"/>
-                  </a:lnTo>
-                  <a:lnTo>
-                    <a:pt x="54537" y="2050630"/>
-                  </a:lnTo>
-                  <a:lnTo>
-                    <a:pt x="65445" y="1966033"/>
-                  </a:lnTo>
-                  <a:lnTo>
-                    <a:pt x="76352" y="1881436"/>
-                  </a:lnTo>
-                  <a:lnTo>
-                    <a:pt x="87260" y="1796839"/>
-                  </a:lnTo>
-                  <a:lnTo>
-                    <a:pt x="98167" y="1712243"/>
-                  </a:lnTo>
-                  <a:lnTo>
-                    <a:pt x="109075" y="1627646"/>
-                  </a:lnTo>
-                  <a:lnTo>
-                    <a:pt x="119982" y="1543049"/>
-                  </a:lnTo>
-                  <a:lnTo>
-                    <a:pt x="130890" y="1458452"/>
-                  </a:lnTo>
-                  <a:lnTo>
-                    <a:pt x="141798" y="1373856"/>
-                  </a:lnTo>
-                  <a:lnTo>
-                    <a:pt x="152705" y="1289259"/>
-                  </a:lnTo>
-                  <a:lnTo>
-                    <a:pt x="163613" y="1204662"/>
-                  </a:lnTo>
-                  <a:lnTo>
-                    <a:pt x="174520" y="1120066"/>
-                  </a:lnTo>
-                  <a:lnTo>
-                    <a:pt x="185428" y="1035469"/>
-                  </a:lnTo>
-                  <a:lnTo>
-                    <a:pt x="196335" y="950872"/>
-                  </a:lnTo>
-                  <a:lnTo>
-                    <a:pt x="207243" y="866275"/>
-                  </a:lnTo>
-                  <a:lnTo>
-                    <a:pt x="218150" y="781679"/>
-                  </a:lnTo>
-                  <a:lnTo>
-                    <a:pt x="229058" y="697082"/>
-                  </a:lnTo>
-                  <a:lnTo>
-                    <a:pt x="239965" y="612485"/>
-                  </a:lnTo>
-                  <a:lnTo>
-                    <a:pt x="250873" y="527888"/>
-                  </a:lnTo>
-                  <a:lnTo>
-                    <a:pt x="261781" y="443292"/>
-                  </a:lnTo>
-                  <a:lnTo>
-                    <a:pt x="272688" y="358695"/>
-                  </a:lnTo>
-                  <a:lnTo>
-                    <a:pt x="283596" y="274098"/>
-                  </a:lnTo>
-                  <a:lnTo>
-                    <a:pt x="294503" y="189501"/>
-                  </a:lnTo>
-                  <a:lnTo>
-                    <a:pt x="305411" y="104905"/>
-                  </a:lnTo>
-                  <a:lnTo>
-                    <a:pt x="316318" y="20308"/>
-                  </a:lnTo>
-                  <a:lnTo>
-                    <a:pt x="211200" y="9032"/>
-                  </a:lnTo>
-                  <a:lnTo>
-                    <a:pt x="105696" y="2259"/>
-                  </a:lnTo>
-                  <a:lnTo>
-                    <a:pt x="0" y="0"/>
-                  </a:lnTo>
-                  <a:lnTo>
-                    <a:pt x="0" y="85297"/>
-                  </a:lnTo>
-                  <a:lnTo>
-                    <a:pt x="0" y="170594"/>
-                  </a:lnTo>
-                  <a:lnTo>
-                    <a:pt x="0" y="255891"/>
-                  </a:lnTo>
-                  <a:lnTo>
-                    <a:pt x="0" y="341188"/>
-                  </a:lnTo>
-                  <a:lnTo>
-                    <a:pt x="0" y="426485"/>
-                  </a:lnTo>
-                  <a:lnTo>
-                    <a:pt x="0" y="511782"/>
-                  </a:lnTo>
-                  <a:lnTo>
-                    <a:pt x="0" y="597079"/>
-                  </a:lnTo>
-                  <a:lnTo>
-                    <a:pt x="0" y="682376"/>
-                  </a:lnTo>
-                  <a:lnTo>
-                    <a:pt x="0" y="767673"/>
-                  </a:lnTo>
-                  <a:lnTo>
-                    <a:pt x="0" y="852970"/>
-                  </a:lnTo>
-                  <a:lnTo>
-                    <a:pt x="0" y="938267"/>
-                  </a:lnTo>
-                  <a:lnTo>
-                    <a:pt x="0" y="1023564"/>
-                  </a:lnTo>
-                  <a:lnTo>
-                    <a:pt x="0" y="1108861"/>
-                  </a:lnTo>
-                  <a:lnTo>
-                    <a:pt x="0" y="1194158"/>
-                  </a:lnTo>
-                  <a:lnTo>
-                    <a:pt x="0" y="1279455"/>
-                  </a:lnTo>
-                  <a:lnTo>
-                    <a:pt x="0" y="1364752"/>
-                  </a:lnTo>
-                  <a:lnTo>
-                    <a:pt x="0" y="1450049"/>
-                  </a:lnTo>
-                  <a:lnTo>
-                    <a:pt x="0" y="1535346"/>
-                  </a:lnTo>
-                  <a:lnTo>
-                    <a:pt x="0" y="1620643"/>
-                  </a:lnTo>
-                  <a:lnTo>
-                    <a:pt x="0" y="1705940"/>
-                  </a:lnTo>
-                  <a:lnTo>
-                    <a:pt x="0" y="1791237"/>
-                  </a:lnTo>
-                  <a:lnTo>
-                    <a:pt x="0" y="1876534"/>
-                  </a:lnTo>
-                  <a:lnTo>
-                    <a:pt x="0" y="1961831"/>
-                  </a:lnTo>
-                  <a:lnTo>
-                    <a:pt x="0" y="2047128"/>
-                  </a:lnTo>
-                  <a:lnTo>
-                    <a:pt x="0" y="2132425"/>
-                  </a:lnTo>
-                  <a:lnTo>
-                    <a:pt x="0" y="2217722"/>
-                  </a:lnTo>
-                  <a:lnTo>
-                    <a:pt x="0" y="2303019"/>
-                  </a:lnTo>
-                  <a:lnTo>
-                    <a:pt x="0" y="2388316"/>
-                  </a:lnTo>
-                  <a:close/>
-                </a:path>
-              </a:pathLst>
-            </a:custGeom>
-            <a:solidFill>
-              <a:srgbClr val="CE8964">
-                <a:alpha val="100000"/>
-              </a:srgbClr>
-            </a:solidFill>
-            <a:ln w="13550" cap="flat">
-              <a:solidFill>
-                <a:srgbClr val="000000">
-                  <a:alpha val="100000"/>
-                </a:srgbClr>
-              </a:solidFill>
-              <a:prstDash val="solid"/>
-              <a:miter/>
-            </a:ln>
-          </p:spPr>
-          <p:txBody>
-            <a:bodyPr/>
-            <a:lstStyle/>
-            <a:p/>
-          </p:txBody>
-        </p:sp>
-        <p:sp>
-          <p:nvSpPr>
-            <p:cNvPr id="6" name="pg5"/>
-            <p:cNvSpPr/>
-            <p:nvPr/>
-          </p:nvSpPr>
-          <p:spPr>
-            <a:xfrm>
-              <a:off x="5486400" y="1769876"/>
-              <a:ext cx="1213845" cy="2453305"/>
-            </a:xfrm>
-            <a:custGeom>
-              <a:avLst/>
-              <a:pathLst>
-                <a:path w="1213845" h="2453305">
-                  <a:moveTo>
-                    <a:pt x="0" y="2453305"/>
-                  </a:moveTo>
-                  <a:lnTo>
-                    <a:pt x="41856" y="2378984"/>
-                  </a:lnTo>
-                  <a:lnTo>
-                    <a:pt x="83713" y="2304663"/>
-                  </a:lnTo>
-                  <a:lnTo>
-                    <a:pt x="125570" y="2230342"/>
-                  </a:lnTo>
-                  <a:lnTo>
-                    <a:pt x="167427" y="2156021"/>
-                  </a:lnTo>
-                  <a:lnTo>
-                    <a:pt x="209283" y="2081701"/>
-                  </a:lnTo>
-                  <a:lnTo>
-                    <a:pt x="251140" y="2007380"/>
-                  </a:lnTo>
-                  <a:lnTo>
-                    <a:pt x="292997" y="1933059"/>
-                  </a:lnTo>
-                  <a:lnTo>
-                    <a:pt x="334854" y="1858738"/>
-                  </a:lnTo>
-                  <a:lnTo>
-                    <a:pt x="376710" y="1784417"/>
-                  </a:lnTo>
-                  <a:lnTo>
-                    <a:pt x="418567" y="1710096"/>
-                  </a:lnTo>
-                  <a:lnTo>
-                    <a:pt x="460424" y="1635775"/>
-                  </a:lnTo>
-                  <a:lnTo>
-                    <a:pt x="502281" y="1561454"/>
-                  </a:lnTo>
-                  <a:lnTo>
-                    <a:pt x="544137" y="1487133"/>
-                  </a:lnTo>
-                  <a:lnTo>
-                    <a:pt x="585994" y="1412813"/>
-                  </a:lnTo>
-                  <a:lnTo>
-                    <a:pt x="627851" y="1338492"/>
-                  </a:lnTo>
-                  <a:lnTo>
-                    <a:pt x="669708" y="1264171"/>
-                  </a:lnTo>
-                  <a:lnTo>
-                    <a:pt x="711564" y="1189850"/>
-                  </a:lnTo>
-                  <a:lnTo>
-                    <a:pt x="753421" y="1115529"/>
-                  </a:lnTo>
-                  <a:lnTo>
-                    <a:pt x="795278" y="1041208"/>
-                  </a:lnTo>
-                  <a:lnTo>
-                    <a:pt x="837135" y="966887"/>
-                  </a:lnTo>
-                  <a:lnTo>
-                    <a:pt x="878991" y="892566"/>
-                  </a:lnTo>
-                  <a:lnTo>
-                    <a:pt x="920848" y="818245"/>
-                  </a:lnTo>
-                  <a:lnTo>
-                    <a:pt x="962705" y="743924"/>
-                  </a:lnTo>
-                  <a:lnTo>
-                    <a:pt x="1004562" y="669604"/>
-                  </a:lnTo>
-                  <a:lnTo>
-                    <a:pt x="1046418" y="595283"/>
-                  </a:lnTo>
-                  <a:lnTo>
-                    <a:pt x="1088275" y="520962"/>
-                  </a:lnTo>
-                  <a:lnTo>
-                    <a:pt x="1130132" y="446641"/>
-                  </a:lnTo>
-                  <a:lnTo>
-                    <a:pt x="1171989" y="372320"/>
-                  </a:lnTo>
-                  <a:lnTo>
-                    <a:pt x="1213845" y="297999"/>
-                  </a:lnTo>
-                  <a:lnTo>
-                    <a:pt x="1137744" y="256876"/>
-                  </a:lnTo>
-                  <a:lnTo>
-                    <a:pt x="1060252" y="218438"/>
-                  </a:lnTo>
-                  <a:lnTo>
-                    <a:pt x="981464" y="182734"/>
-                  </a:lnTo>
-                  <a:lnTo>
-                    <a:pt x="901475" y="149806"/>
-                  </a:lnTo>
-                  <a:lnTo>
-                    <a:pt x="820384" y="119695"/>
-                  </a:lnTo>
-                  <a:lnTo>
-                    <a:pt x="738289" y="92438"/>
-                  </a:lnTo>
-                  <a:lnTo>
-                    <a:pt x="655292" y="68068"/>
-                  </a:lnTo>
-                  <a:lnTo>
-                    <a:pt x="571493" y="46614"/>
-                  </a:lnTo>
-                  <a:lnTo>
-                    <a:pt x="486996" y="28104"/>
-                  </a:lnTo>
-                  <a:lnTo>
-                    <a:pt x="401903" y="12559"/>
-                  </a:lnTo>
-                  <a:lnTo>
-                    <a:pt x="316318" y="0"/>
-                  </a:lnTo>
-                  <a:lnTo>
-                    <a:pt x="305411" y="84596"/>
-                  </a:lnTo>
-                  <a:lnTo>
-                    <a:pt x="294503" y="169193"/>
-                  </a:lnTo>
-                  <a:lnTo>
-                    <a:pt x="283596" y="253790"/>
-                  </a:lnTo>
-                  <a:lnTo>
-                    <a:pt x="272688" y="338386"/>
-                  </a:lnTo>
-                  <a:lnTo>
-                    <a:pt x="261781" y="422983"/>
-                  </a:lnTo>
-                  <a:lnTo>
-                    <a:pt x="250873" y="507580"/>
-                  </a:lnTo>
-                  <a:lnTo>
-                    <a:pt x="239965" y="592177"/>
-                  </a:lnTo>
-                  <a:lnTo>
-                    <a:pt x="229058" y="676773"/>
-                  </a:lnTo>
-                  <a:lnTo>
-                    <a:pt x="218150" y="761370"/>
-                  </a:lnTo>
-                  <a:lnTo>
-                    <a:pt x="207243" y="845967"/>
-                  </a:lnTo>
-                  <a:lnTo>
-                    <a:pt x="196335" y="930564"/>
-                  </a:lnTo>
-                  <a:lnTo>
-                    <a:pt x="185428" y="1015160"/>
-                  </a:lnTo>
-                  <a:lnTo>
-                    <a:pt x="174520" y="1099757"/>
-                  </a:lnTo>
-                  <a:lnTo>
-                    <a:pt x="163613" y="1184354"/>
-                  </a:lnTo>
-                  <a:lnTo>
-                    <a:pt x="152705" y="1268951"/>
-                  </a:lnTo>
-                  <a:lnTo>
-                    <a:pt x="141798" y="1353547"/>
-                  </a:lnTo>
-                  <a:lnTo>
-                    <a:pt x="130890" y="1438144"/>
-                  </a:lnTo>
-                  <a:lnTo>
-                    <a:pt x="119982" y="1522741"/>
-                  </a:lnTo>
-                  <a:lnTo>
-                    <a:pt x="109075" y="1607338"/>
-                  </a:lnTo>
-                  <a:lnTo>
-                    <a:pt x="98167" y="1691934"/>
-                  </a:lnTo>
-                  <a:lnTo>
-                    <a:pt x="87260" y="1776531"/>
-                  </a:lnTo>
-                  <a:lnTo>
-                    <a:pt x="76352" y="1861128"/>
-                  </a:lnTo>
-                  <a:lnTo>
-                    <a:pt x="65445" y="1945725"/>
-                  </a:lnTo>
-                  <a:lnTo>
-                    <a:pt x="54537" y="2030321"/>
-                  </a:lnTo>
-                  <a:lnTo>
-                    <a:pt x="43630" y="2114918"/>
-                  </a:lnTo>
-                  <a:lnTo>
-                    <a:pt x="32722" y="2199515"/>
-                  </a:lnTo>
-                  <a:lnTo>
-                    <a:pt x="21815" y="2284112"/>
-                  </a:lnTo>
-                  <a:lnTo>
-                    <a:pt x="10907" y="2368708"/>
-                  </a:lnTo>
-                  <a:close/>
-                </a:path>
-              </a:pathLst>
-            </a:custGeom>
-            <a:solidFill>
-              <a:srgbClr val="9CC5A1">
-                <a:alpha val="100000"/>
-              </a:srgbClr>
-            </a:solidFill>
-            <a:ln w="13550" cap="flat">
-              <a:solidFill>
-                <a:srgbClr val="000000">
-                  <a:alpha val="100000"/>
-                </a:srgbClr>
-              </a:solidFill>
-              <a:prstDash val="solid"/>
-              <a:miter/>
-            </a:ln>
-          </p:spPr>
-          <p:txBody>
-            <a:bodyPr/>
-            <a:lstStyle/>
-            <a:p/>
-          </p:txBody>
-        </p:sp>
-        <p:sp>
-          <p:nvSpPr>
-            <p:cNvPr id="7" name="pg6"/>
-            <p:cNvSpPr/>
-            <p:nvPr/>
-          </p:nvSpPr>
-          <p:spPr>
-            <a:xfrm>
-              <a:off x="3013066" y="1769876"/>
-              <a:ext cx="4946924" cy="4926753"/>
-            </a:xfrm>
-            <a:custGeom>
-              <a:avLst/>
-              <a:pathLst>
-                <a:path w="4946924" h="4926753">
-                  <a:moveTo>
-                    <a:pt x="2473333" y="2453305"/>
-                  </a:moveTo>
-                  <a:lnTo>
-                    <a:pt x="2462425" y="2368708"/>
-                  </a:lnTo>
-                  <a:lnTo>
-                    <a:pt x="2451518" y="2284112"/>
-                  </a:lnTo>
-                  <a:lnTo>
-                    <a:pt x="2440610" y="2199515"/>
-                  </a:lnTo>
-                  <a:lnTo>
-                    <a:pt x="2429703" y="2114918"/>
-                  </a:lnTo>
-                  <a:lnTo>
-                    <a:pt x="2418795" y="2030321"/>
-                  </a:lnTo>
-                  <a:lnTo>
-                    <a:pt x="2407888" y="1945725"/>
-                  </a:lnTo>
-                  <a:lnTo>
-                    <a:pt x="2396980" y="1861128"/>
-                  </a:lnTo>
-                  <a:lnTo>
-                    <a:pt x="2386072" y="1776531"/>
-                  </a:lnTo>
-                  <a:lnTo>
-                    <a:pt x="2375165" y="1691934"/>
-                  </a:lnTo>
-                  <a:lnTo>
-                    <a:pt x="2364257" y="1607338"/>
-                  </a:lnTo>
-                  <a:lnTo>
-                    <a:pt x="2353350" y="1522741"/>
-                  </a:lnTo>
-                  <a:lnTo>
-                    <a:pt x="2342442" y="1438144"/>
-                  </a:lnTo>
-                  <a:lnTo>
-                    <a:pt x="2331535" y="1353547"/>
-                  </a:lnTo>
-                  <a:lnTo>
-                    <a:pt x="2320627" y="1268951"/>
-                  </a:lnTo>
-                  <a:lnTo>
-                    <a:pt x="2309720" y="1184354"/>
-                  </a:lnTo>
-                  <a:lnTo>
-                    <a:pt x="2298812" y="1099757"/>
-                  </a:lnTo>
-                  <a:lnTo>
-                    <a:pt x="2287905" y="1015160"/>
-                  </a:lnTo>
-                  <a:lnTo>
-                    <a:pt x="2276997" y="930564"/>
-                  </a:lnTo>
-                  <a:lnTo>
-                    <a:pt x="2266090" y="845967"/>
-                  </a:lnTo>
-                  <a:lnTo>
-                    <a:pt x="2255182" y="761370"/>
-                  </a:lnTo>
-                  <a:lnTo>
-                    <a:pt x="2244274" y="676773"/>
-                  </a:lnTo>
-                  <a:lnTo>
-                    <a:pt x="2233367" y="592177"/>
-                  </a:lnTo>
-                  <a:lnTo>
-                    <a:pt x="2222459" y="507580"/>
-                  </a:lnTo>
-                  <a:lnTo>
-                    <a:pt x="2211552" y="422983"/>
-                  </a:lnTo>
-                  <a:lnTo>
-                    <a:pt x="2200644" y="338386"/>
-                  </a:lnTo>
-                  <a:lnTo>
-                    <a:pt x="2189737" y="253790"/>
-                  </a:lnTo>
-                  <a:lnTo>
-                    <a:pt x="2178829" y="169193"/>
-                  </a:lnTo>
-                  <a:lnTo>
-                    <a:pt x="2167922" y="84596"/>
-                  </a:lnTo>
-                  <a:lnTo>
-                    <a:pt x="2157014" y="0"/>
-                  </a:lnTo>
-                  <a:lnTo>
-                    <a:pt x="2073829" y="12165"/>
-                  </a:lnTo>
-                  <a:lnTo>
-                    <a:pt x="1991106" y="27151"/>
-                  </a:lnTo>
-                  <a:lnTo>
-                    <a:pt x="1908940" y="44939"/>
-                  </a:lnTo>
-                  <a:lnTo>
-                    <a:pt x="1827425" y="65509"/>
-                  </a:lnTo>
-                  <a:lnTo>
-                    <a:pt x="1746657" y="88837"/>
-                  </a:lnTo>
-                  <a:lnTo>
-                    <a:pt x="1666728" y="114896"/>
-                  </a:lnTo>
-                  <a:lnTo>
-                    <a:pt x="1587731" y="143657"/>
-                  </a:lnTo>
-                  <a:lnTo>
-                    <a:pt x="1509757" y="175085"/>
-                  </a:lnTo>
-                  <a:lnTo>
-                    <a:pt x="1432896" y="209145"/>
-                  </a:lnTo>
-                  <a:lnTo>
-                    <a:pt x="1357236" y="245796"/>
-                  </a:lnTo>
-                  <a:lnTo>
-                    <a:pt x="1282866" y="284998"/>
-                  </a:lnTo>
-                  <a:lnTo>
-                    <a:pt x="1209871" y="326705"/>
-                  </a:lnTo>
-                  <a:lnTo>
-                    <a:pt x="1138335" y="370867"/>
-                  </a:lnTo>
-                  <a:lnTo>
-                    <a:pt x="1068341" y="417436"/>
-                  </a:lnTo>
-                  <a:lnTo>
-                    <a:pt x="999971" y="466355"/>
-                  </a:lnTo>
-                  <a:lnTo>
-                    <a:pt x="933302" y="517570"/>
-                  </a:lnTo>
-                  <a:lnTo>
-                    <a:pt x="868412" y="571021"/>
-                  </a:lnTo>
-                  <a:lnTo>
-                    <a:pt x="805375" y="626646"/>
-                  </a:lnTo>
-                  <a:lnTo>
-                    <a:pt x="744266" y="684381"/>
-                  </a:lnTo>
-                  <a:lnTo>
-                    <a:pt x="685153" y="744159"/>
-                  </a:lnTo>
-                  <a:lnTo>
-                    <a:pt x="628106" y="805912"/>
-                  </a:lnTo>
-                  <a:lnTo>
-                    <a:pt x="573191" y="869567"/>
-                  </a:lnTo>
-                  <a:lnTo>
-                    <a:pt x="520470" y="935052"/>
-                  </a:lnTo>
-                  <a:lnTo>
-                    <a:pt x="470005" y="1002290"/>
-                  </a:lnTo>
-                  <a:lnTo>
-                    <a:pt x="421854" y="1071204"/>
-                  </a:lnTo>
-                  <a:lnTo>
-                    <a:pt x="376073" y="1141715"/>
-                  </a:lnTo>
-                  <a:lnTo>
-                    <a:pt x="332714" y="1213741"/>
-                  </a:lnTo>
-                  <a:lnTo>
-                    <a:pt x="291828" y="1287199"/>
-                  </a:lnTo>
-                  <a:lnTo>
-                    <a:pt x="253462" y="1362004"/>
-                  </a:lnTo>
-                  <a:lnTo>
-                    <a:pt x="217660" y="1438069"/>
-                  </a:lnTo>
-                  <a:lnTo>
-                    <a:pt x="184463" y="1515307"/>
-                  </a:lnTo>
-                  <a:lnTo>
-                    <a:pt x="153910" y="1593628"/>
-                  </a:lnTo>
-                  <a:lnTo>
-                    <a:pt x="126037" y="1672942"/>
-                  </a:lnTo>
-                  <a:lnTo>
-                    <a:pt x="100874" y="1753158"/>
-                  </a:lnTo>
-                  <a:lnTo>
-                    <a:pt x="78452" y="1834183"/>
-                  </a:lnTo>
-                  <a:lnTo>
-                    <a:pt x="58797" y="1915922"/>
-                  </a:lnTo>
-                  <a:lnTo>
-                    <a:pt x="41930" y="1998283"/>
-                  </a:lnTo>
-                  <a:lnTo>
-                    <a:pt x="27872" y="2081168"/>
-                  </a:lnTo>
-                  <a:lnTo>
-                    <a:pt x="16638" y="2164484"/>
-                  </a:lnTo>
-                  <a:lnTo>
-                    <a:pt x="8242" y="2248134"/>
-                  </a:lnTo>
-                  <a:lnTo>
-                    <a:pt x="2694" y="2332020"/>
-                  </a:lnTo>
-                  <a:lnTo>
-                    <a:pt x="0" y="2416047"/>
-                  </a:lnTo>
-                  <a:lnTo>
-                    <a:pt x="162" y="2500116"/>
-                  </a:lnTo>
-                  <a:lnTo>
-                    <a:pt x="3181" y="2584132"/>
-                  </a:lnTo>
-                  <a:lnTo>
-                    <a:pt x="9053" y="2667996"/>
-                  </a:lnTo>
-                  <a:lnTo>
-                    <a:pt x="17772" y="2751612"/>
-                  </a:lnTo>
-                  <a:lnTo>
-                    <a:pt x="29327" y="2834884"/>
-                  </a:lnTo>
-                  <a:lnTo>
-                    <a:pt x="43705" y="2917715"/>
-                  </a:lnTo>
-                  <a:lnTo>
-                    <a:pt x="60890" y="3000010"/>
-                  </a:lnTo>
-                  <a:lnTo>
-                    <a:pt x="80861" y="3081673"/>
-                  </a:lnTo>
-                  <a:lnTo>
-                    <a:pt x="103596" y="3162610"/>
-                  </a:lnTo>
-                  <a:lnTo>
-                    <a:pt x="129068" y="3242728"/>
-                  </a:lnTo>
-                  <a:lnTo>
-                    <a:pt x="157248" y="3321934"/>
-                  </a:lnTo>
-                  <a:lnTo>
-                    <a:pt x="188103" y="3400137"/>
-                  </a:lnTo>
-                  <a:lnTo>
-                    <a:pt x="221598" y="3477246"/>
-                  </a:lnTo>
-                  <a:lnTo>
-                    <a:pt x="257693" y="3553172"/>
-                  </a:lnTo>
-                  <a:lnTo>
-                    <a:pt x="296348" y="3627828"/>
-                  </a:lnTo>
-                  <a:lnTo>
-                    <a:pt x="337518" y="3701127"/>
-                  </a:lnTo>
-                  <a:lnTo>
-                    <a:pt x="381155" y="3772985"/>
-                  </a:lnTo>
-                  <a:lnTo>
-                    <a:pt x="427208" y="3843319"/>
-                  </a:lnTo>
-                  <a:lnTo>
-                    <a:pt x="475625" y="3912047"/>
-                  </a:lnTo>
-                  <a:lnTo>
-                    <a:pt x="526349" y="3979090"/>
-                  </a:lnTo>
-                  <a:lnTo>
-                    <a:pt x="579322" y="4044370"/>
-                  </a:lnTo>
-                  <a:lnTo>
-                    <a:pt x="634483" y="4107813"/>
-                  </a:lnTo>
-                  <a:lnTo>
-                    <a:pt x="691768" y="4169345"/>
-                  </a:lnTo>
-                  <a:lnTo>
-                    <a:pt x="751111" y="4228894"/>
-                  </a:lnTo>
-                  <a:lnTo>
-                    <a:pt x="812443" y="4286393"/>
-                  </a:lnTo>
-                  <a:lnTo>
-                    <a:pt x="875693" y="4341774"/>
-                  </a:lnTo>
-                  <a:lnTo>
-                    <a:pt x="940789" y="4394974"/>
-                  </a:lnTo>
-                  <a:lnTo>
-                    <a:pt x="1007656" y="4445931"/>
-                  </a:lnTo>
-                  <a:lnTo>
-                    <a:pt x="1076215" y="4494586"/>
-                  </a:lnTo>
-                  <a:lnTo>
-                    <a:pt x="1146388" y="4540883"/>
-                  </a:lnTo>
-                  <a:lnTo>
-                    <a:pt x="1218094" y="4584770"/>
-                  </a:lnTo>
-                  <a:lnTo>
-                    <a:pt x="1291249" y="4626194"/>
-                  </a:lnTo>
-                  <a:lnTo>
-                    <a:pt x="1365771" y="4665108"/>
-                  </a:lnTo>
-                  <a:lnTo>
-                    <a:pt x="1441571" y="4701467"/>
-                  </a:lnTo>
-                  <a:lnTo>
-                    <a:pt x="1518563" y="4735230"/>
-                  </a:lnTo>
-                  <a:lnTo>
-                    <a:pt x="1596658" y="4766357"/>
-                  </a:lnTo>
-                  <a:lnTo>
-                    <a:pt x="1675766" y="4794812"/>
-                  </a:lnTo>
-                  <a:lnTo>
-                    <a:pt x="1755795" y="4820562"/>
-                  </a:lnTo>
-                  <a:lnTo>
-                    <a:pt x="1836653" y="4843578"/>
-                  </a:lnTo>
-                  <a:lnTo>
-                    <a:pt x="1918246" y="4863833"/>
-                  </a:lnTo>
-                  <a:lnTo>
-                    <a:pt x="2000480" y="4881303"/>
-                  </a:lnTo>
-                  <a:lnTo>
-                    <a:pt x="2083261" y="4895970"/>
-                  </a:lnTo>
-                  <a:lnTo>
-                    <a:pt x="2166492" y="4907814"/>
-                  </a:lnTo>
-                  <a:lnTo>
-                    <a:pt x="2250077" y="4916823"/>
-                  </a:lnTo>
-                  <a:lnTo>
-                    <a:pt x="2333921" y="4922987"/>
-                  </a:lnTo>
-                  <a:lnTo>
-                    <a:pt x="2417925" y="4926298"/>
-                  </a:lnTo>
-                  <a:lnTo>
-                    <a:pt x="2501994" y="4926753"/>
-                  </a:lnTo>
-                  <a:lnTo>
-                    <a:pt x="2586029" y="4924351"/>
-                  </a:lnTo>
-                  <a:lnTo>
-                    <a:pt x="2669934" y="4919094"/>
-                  </a:lnTo>
-                  <a:lnTo>
-                    <a:pt x="2753612" y="4910989"/>
-                  </a:lnTo>
-                  <a:lnTo>
-                    <a:pt x="2836967" y="4900045"/>
-                  </a:lnTo>
-                  <a:lnTo>
-                    <a:pt x="2919901" y="4886275"/>
-                  </a:lnTo>
-                  <a:lnTo>
-                    <a:pt x="3002319" y="4869695"/>
-                  </a:lnTo>
-                  <a:lnTo>
-                    <a:pt x="3084127" y="4850323"/>
-                  </a:lnTo>
-                  <a:lnTo>
-                    <a:pt x="3165229" y="4828183"/>
-                  </a:lnTo>
-                  <a:lnTo>
-                    <a:pt x="3245531" y="4803300"/>
-                  </a:lnTo>
-                  <a:lnTo>
-                    <a:pt x="3324942" y="4775702"/>
-                  </a:lnTo>
-                  <a:lnTo>
-                    <a:pt x="3403369" y="4745422"/>
-                  </a:lnTo>
-                  <a:lnTo>
-                    <a:pt x="3480722" y="4712494"/>
-                  </a:lnTo>
-                  <a:lnTo>
-                    <a:pt x="3556911" y="4676956"/>
-                  </a:lnTo>
-                  <a:lnTo>
-                    <a:pt x="3631849" y="4638850"/>
-                  </a:lnTo>
-                  <a:lnTo>
-                    <a:pt x="3705448" y="4598219"/>
-                  </a:lnTo>
-                  <a:lnTo>
-                    <a:pt x="3777624" y="4555111"/>
-                  </a:lnTo>
-                  <a:lnTo>
-                    <a:pt x="3848294" y="4509575"/>
-                  </a:lnTo>
-                  <a:lnTo>
-                    <a:pt x="3917375" y="4461664"/>
-                  </a:lnTo>
-                  <a:lnTo>
-                    <a:pt x="3984789" y="4411433"/>
-                  </a:lnTo>
-                  <a:lnTo>
-                    <a:pt x="4050456" y="4358941"/>
-                  </a:lnTo>
-                  <a:lnTo>
-                    <a:pt x="4114302" y="4304247"/>
-                  </a:lnTo>
-                  <a:lnTo>
-                    <a:pt x="4176253" y="4247415"/>
-                  </a:lnTo>
-                  <a:lnTo>
-                    <a:pt x="4236236" y="4188511"/>
-                  </a:lnTo>
-                  <a:lnTo>
-                    <a:pt x="4294183" y="4127602"/>
-                  </a:lnTo>
-                  <a:lnTo>
-                    <a:pt x="4350027" y="4064760"/>
-                  </a:lnTo>
-                  <a:lnTo>
-                    <a:pt x="4403703" y="4000056"/>
-                  </a:lnTo>
-                  <a:lnTo>
-                    <a:pt x="4455149" y="3933565"/>
-                  </a:lnTo>
-                  <a:lnTo>
-                    <a:pt x="4504306" y="3865365"/>
-                  </a:lnTo>
-                  <a:lnTo>
-                    <a:pt x="4551117" y="3795533"/>
-                  </a:lnTo>
-                  <a:lnTo>
-                    <a:pt x="4595529" y="3724152"/>
-                  </a:lnTo>
-                  <a:lnTo>
-                    <a:pt x="4637488" y="3651302"/>
-                  </a:lnTo>
-                  <a:lnTo>
-                    <a:pt x="4676948" y="3577068"/>
-                  </a:lnTo>
-                  <a:lnTo>
-                    <a:pt x="4713863" y="3501537"/>
-                  </a:lnTo>
-                  <a:lnTo>
-                    <a:pt x="4748190" y="3424794"/>
-                  </a:lnTo>
-                  <a:lnTo>
-                    <a:pt x="4779889" y="3346930"/>
-                  </a:lnTo>
-                  <a:lnTo>
-                    <a:pt x="4808924" y="3268033"/>
-                  </a:lnTo>
-                  <a:lnTo>
-                    <a:pt x="4835260" y="3188195"/>
-                  </a:lnTo>
-                  <a:lnTo>
-                    <a:pt x="4858869" y="3107509"/>
-                  </a:lnTo>
-                  <a:lnTo>
-                    <a:pt x="4879722" y="3026066"/>
-                  </a:lnTo>
-                  <a:lnTo>
-                    <a:pt x="4897796" y="2943962"/>
-                  </a:lnTo>
-                  <a:lnTo>
-                    <a:pt x="4913069" y="2861292"/>
-                  </a:lnTo>
-                  <a:lnTo>
-                    <a:pt x="4925524" y="2778150"/>
-                  </a:lnTo>
-                  <a:lnTo>
-                    <a:pt x="4935147" y="2694633"/>
-                  </a:lnTo>
-                  <a:lnTo>
-                    <a:pt x="4941925" y="2610837"/>
-                  </a:lnTo>
-                  <a:lnTo>
-                    <a:pt x="4945853" y="2526859"/>
-                  </a:lnTo>
-                  <a:lnTo>
-                    <a:pt x="4946924" y="2442796"/>
-                  </a:lnTo>
-                  <a:lnTo>
-                    <a:pt x="4945139" y="2358745"/>
-                  </a:lnTo>
-                  <a:lnTo>
-                    <a:pt x="4940498" y="2274804"/>
-                  </a:lnTo>
-                  <a:lnTo>
-                    <a:pt x="4933007" y="2191068"/>
-                  </a:lnTo>
-                  <a:lnTo>
-                    <a:pt x="4922675" y="2107636"/>
-                  </a:lnTo>
-                  <a:lnTo>
-                    <a:pt x="4909514" y="2024603"/>
-                  </a:lnTo>
-                  <a:lnTo>
-                    <a:pt x="4893539" y="1942065"/>
-                  </a:lnTo>
-                  <a:lnTo>
-                    <a:pt x="4874769" y="1860118"/>
-                  </a:lnTo>
-                  <a:lnTo>
-                    <a:pt x="4853224" y="1778855"/>
-                  </a:lnTo>
-                  <a:lnTo>
-                    <a:pt x="4828931" y="1698372"/>
-                  </a:lnTo>
-                  <a:lnTo>
-                    <a:pt x="4801917" y="1618761"/>
-                  </a:lnTo>
-                  <a:lnTo>
-                    <a:pt x="4772212" y="1540114"/>
-                  </a:lnTo>
-                  <a:lnTo>
-                    <a:pt x="4739853" y="1462521"/>
-                  </a:lnTo>
-                  <a:lnTo>
-                    <a:pt x="4704875" y="1386074"/>
-                  </a:lnTo>
-                  <a:lnTo>
-                    <a:pt x="4667320" y="1310858"/>
-                  </a:lnTo>
-                  <a:lnTo>
-                    <a:pt x="4627231" y="1236963"/>
-                  </a:lnTo>
-                  <a:lnTo>
-                    <a:pt x="4584654" y="1164472"/>
-                  </a:lnTo>
-                  <a:lnTo>
-                    <a:pt x="4539638" y="1093470"/>
-                  </a:lnTo>
-                  <a:lnTo>
-                    <a:pt x="4492235" y="1024039"/>
-                  </a:lnTo>
-                  <a:lnTo>
-                    <a:pt x="4442500" y="956259"/>
-                  </a:lnTo>
-                  <a:lnTo>
-                    <a:pt x="4390490" y="890208"/>
-                  </a:lnTo>
-                  <a:lnTo>
-                    <a:pt x="4336267" y="825963"/>
-                  </a:lnTo>
-                  <a:lnTo>
-                    <a:pt x="4279891" y="763597"/>
-                  </a:lnTo>
-                  <a:lnTo>
-                    <a:pt x="4221428" y="703183"/>
-                  </a:lnTo>
-                  <a:lnTo>
-                    <a:pt x="4160947" y="644790"/>
-                  </a:lnTo>
-                  <a:lnTo>
-                    <a:pt x="4098516" y="588487"/>
-                  </a:lnTo>
-                  <a:lnTo>
-                    <a:pt x="4034207" y="534338"/>
-                  </a:lnTo>
-                  <a:lnTo>
-                    <a:pt x="3968096" y="482405"/>
-                  </a:lnTo>
-                  <a:lnTo>
-                    <a:pt x="3900258" y="432748"/>
-                  </a:lnTo>
-                  <a:lnTo>
-                    <a:pt x="3830772" y="385426"/>
-                  </a:lnTo>
-                  <a:lnTo>
-                    <a:pt x="3759718" y="340492"/>
-                  </a:lnTo>
-                  <a:lnTo>
-                    <a:pt x="3687179" y="297999"/>
-                  </a:lnTo>
-                  <a:lnTo>
-                    <a:pt x="3645322" y="372320"/>
-                  </a:lnTo>
-                  <a:lnTo>
-                    <a:pt x="3603465" y="446641"/>
-                  </a:lnTo>
-                  <a:lnTo>
-                    <a:pt x="3561608" y="520962"/>
-                  </a:lnTo>
-                  <a:lnTo>
-                    <a:pt x="3519752" y="595283"/>
-                  </a:lnTo>
-                  <a:lnTo>
-                    <a:pt x="3477895" y="669604"/>
-                  </a:lnTo>
-                  <a:lnTo>
-                    <a:pt x="3436038" y="743924"/>
-                  </a:lnTo>
-                  <a:lnTo>
-                    <a:pt x="3394181" y="818245"/>
-                  </a:lnTo>
-                  <a:lnTo>
-                    <a:pt x="3352325" y="892566"/>
-                  </a:lnTo>
-                  <a:lnTo>
-                    <a:pt x="3310468" y="966887"/>
-                  </a:lnTo>
-                  <a:lnTo>
-                    <a:pt x="3268611" y="1041208"/>
-                  </a:lnTo>
-                  <a:lnTo>
-                    <a:pt x="3226754" y="1115529"/>
-                  </a:lnTo>
-                  <a:lnTo>
-                    <a:pt x="3184898" y="1189850"/>
-                  </a:lnTo>
-                  <a:lnTo>
-                    <a:pt x="3143041" y="1264171"/>
-                  </a:lnTo>
-                  <a:lnTo>
-                    <a:pt x="3101184" y="1338492"/>
-                  </a:lnTo>
-                  <a:lnTo>
-                    <a:pt x="3059327" y="1412813"/>
-                  </a:lnTo>
-                  <a:lnTo>
-                    <a:pt x="3017471" y="1487133"/>
-                  </a:lnTo>
-                  <a:lnTo>
-                    <a:pt x="2975614" y="1561454"/>
-                  </a:lnTo>
-                  <a:lnTo>
-                    <a:pt x="2933757" y="1635775"/>
-                  </a:lnTo>
-                  <a:lnTo>
-                    <a:pt x="2891900" y="1710096"/>
-                  </a:lnTo>
-                  <a:lnTo>
-                    <a:pt x="2850044" y="1784417"/>
-                  </a:lnTo>
-                  <a:lnTo>
-                    <a:pt x="2808187" y="1858738"/>
-                  </a:lnTo>
-                  <a:lnTo>
-                    <a:pt x="2766330" y="1933059"/>
-                  </a:lnTo>
-                  <a:lnTo>
-                    <a:pt x="2724473" y="2007380"/>
-                  </a:lnTo>
-                  <a:lnTo>
-                    <a:pt x="2682617" y="2081701"/>
-                  </a:lnTo>
-                  <a:lnTo>
-                    <a:pt x="2640760" y="2156021"/>
-                  </a:lnTo>
-                  <a:lnTo>
-                    <a:pt x="2598903" y="2230342"/>
-                  </a:lnTo>
-                  <a:lnTo>
-                    <a:pt x="2557046" y="2304663"/>
-                  </a:lnTo>
-                  <a:lnTo>
-                    <a:pt x="2515190" y="2378984"/>
+                    <a:pt x="2473524" y="2388316"/>
+                  </a:lnTo>
+                  <a:lnTo>
+                    <a:pt x="2473524" y="2303019"/>
+                  </a:lnTo>
+                  <a:lnTo>
+                    <a:pt x="2473524" y="2217722"/>
+                  </a:lnTo>
+                  <a:lnTo>
+                    <a:pt x="2473524" y="2132425"/>
+                  </a:lnTo>
+                  <a:lnTo>
+                    <a:pt x="2473524" y="2047128"/>
+                  </a:lnTo>
+                  <a:lnTo>
+                    <a:pt x="2473524" y="1961831"/>
+                  </a:lnTo>
+                  <a:lnTo>
+                    <a:pt x="2473524" y="1876534"/>
+                  </a:lnTo>
+                  <a:lnTo>
+                    <a:pt x="2473524" y="1791237"/>
+                  </a:lnTo>
+                  <a:lnTo>
+                    <a:pt x="2473524" y="1705940"/>
+                  </a:lnTo>
+                  <a:lnTo>
+                    <a:pt x="2473524" y="1620643"/>
+                  </a:lnTo>
+                  <a:lnTo>
+                    <a:pt x="2473524" y="1535346"/>
+                  </a:lnTo>
+                  <a:lnTo>
+                    <a:pt x="2473524" y="1450049"/>
+                  </a:lnTo>
+                  <a:lnTo>
+                    <a:pt x="2473524" y="1364752"/>
+                  </a:lnTo>
+                  <a:lnTo>
+                    <a:pt x="2473524" y="1279455"/>
+                  </a:lnTo>
+                  <a:lnTo>
+                    <a:pt x="2473524" y="1194158"/>
+                  </a:lnTo>
+                  <a:lnTo>
+                    <a:pt x="2473524" y="1108861"/>
+                  </a:lnTo>
+                  <a:lnTo>
+                    <a:pt x="2473524" y="1023564"/>
+                  </a:lnTo>
+                  <a:lnTo>
+                    <a:pt x="2473524" y="938267"/>
+                  </a:lnTo>
+                  <a:lnTo>
+                    <a:pt x="2473524" y="852970"/>
+                  </a:lnTo>
+                  <a:lnTo>
+                    <a:pt x="2473524" y="767673"/>
+                  </a:lnTo>
+                  <a:lnTo>
+                    <a:pt x="2473524" y="682376"/>
+                  </a:lnTo>
+                  <a:lnTo>
+                    <a:pt x="2473524" y="597079"/>
+                  </a:lnTo>
+                  <a:lnTo>
+                    <a:pt x="2473524" y="511782"/>
+                  </a:lnTo>
+                  <a:lnTo>
+                    <a:pt x="2473524" y="426485"/>
+                  </a:lnTo>
+                  <a:lnTo>
+                    <a:pt x="2473524" y="341188"/>
+                  </a:lnTo>
+                  <a:lnTo>
+                    <a:pt x="2473524" y="255891"/>
+                  </a:lnTo>
+                  <a:lnTo>
+                    <a:pt x="2473524" y="170594"/>
+                  </a:lnTo>
+                  <a:lnTo>
+                    <a:pt x="2473524" y="85297"/>
+                  </a:lnTo>
+                  <a:lnTo>
+                    <a:pt x="2473524" y="0"/>
+                  </a:lnTo>
+                  <a:lnTo>
+                    <a:pt x="2389529" y="1426"/>
+                  </a:lnTo>
+                  <a:lnTo>
+                    <a:pt x="2305630" y="5704"/>
+                  </a:lnTo>
+                  <a:lnTo>
+                    <a:pt x="2221925" y="12828"/>
+                  </a:lnTo>
+                  <a:lnTo>
+                    <a:pt x="2138510" y="22791"/>
+                  </a:lnTo>
+                  <a:lnTo>
+                    <a:pt x="2055481" y="35580"/>
+                  </a:lnTo>
+                  <a:lnTo>
+                    <a:pt x="1972935" y="51182"/>
+                  </a:lnTo>
+                  <a:lnTo>
+                    <a:pt x="1890966" y="69577"/>
+                  </a:lnTo>
+                  <a:lnTo>
+                    <a:pt x="1809669" y="90745"/>
+                  </a:lnTo>
+                  <a:lnTo>
+                    <a:pt x="1729138" y="114661"/>
+                  </a:lnTo>
+                  <a:lnTo>
+                    <a:pt x="1649465" y="141299"/>
+                  </a:lnTo>
+                  <a:lnTo>
+                    <a:pt x="1570743" y="170626"/>
+                  </a:lnTo>
+                  <a:lnTo>
+                    <a:pt x="1493062" y="202609"/>
+                  </a:lnTo>
+                  <a:lnTo>
+                    <a:pt x="1416511" y="237212"/>
+                  </a:lnTo>
+                  <a:lnTo>
+                    <a:pt x="1341180" y="274395"/>
+                  </a:lnTo>
+                  <a:lnTo>
+                    <a:pt x="1267155" y="314114"/>
+                  </a:lnTo>
+                  <a:lnTo>
+                    <a:pt x="1194522" y="356323"/>
+                  </a:lnTo>
+                  <a:lnTo>
+                    <a:pt x="1123363" y="400975"/>
+                  </a:lnTo>
+                  <a:lnTo>
+                    <a:pt x="1053762" y="448017"/>
+                  </a:lnTo>
+                  <a:lnTo>
+                    <a:pt x="985798" y="497396"/>
+                  </a:lnTo>
+                  <a:lnTo>
+                    <a:pt x="919551" y="549053"/>
+                  </a:lnTo>
+                  <a:lnTo>
+                    <a:pt x="855095" y="602931"/>
+                  </a:lnTo>
+                  <a:lnTo>
+                    <a:pt x="792506" y="658966"/>
+                  </a:lnTo>
+                  <a:lnTo>
+                    <a:pt x="731856" y="717094"/>
+                  </a:lnTo>
+                  <a:lnTo>
+                    <a:pt x="673215" y="777249"/>
+                  </a:lnTo>
+                  <a:lnTo>
+                    <a:pt x="616651" y="839359"/>
+                  </a:lnTo>
+                  <a:lnTo>
+                    <a:pt x="562228" y="903355"/>
+                  </a:lnTo>
+                  <a:lnTo>
+                    <a:pt x="510009" y="969162"/>
+                  </a:lnTo>
+                  <a:lnTo>
+                    <a:pt x="460056" y="1036704"/>
+                  </a:lnTo>
+                  <a:lnTo>
+                    <a:pt x="412424" y="1105903"/>
+                  </a:lnTo>
+                  <a:lnTo>
+                    <a:pt x="367170" y="1176680"/>
+                  </a:lnTo>
+                  <a:lnTo>
+                    <a:pt x="324345" y="1248952"/>
+                  </a:lnTo>
+                  <a:lnTo>
+                    <a:pt x="283999" y="1322637"/>
+                  </a:lnTo>
+                  <a:lnTo>
+                    <a:pt x="246179" y="1397650"/>
+                  </a:lnTo>
+                  <a:lnTo>
+                    <a:pt x="210927" y="1473904"/>
+                  </a:lnTo>
+                  <a:lnTo>
+                    <a:pt x="178285" y="1551310"/>
+                  </a:lnTo>
+                  <a:lnTo>
+                    <a:pt x="148290" y="1629781"/>
+                  </a:lnTo>
+                  <a:lnTo>
+                    <a:pt x="120978" y="1709225"/>
+                  </a:lnTo>
+                  <a:lnTo>
+                    <a:pt x="96378" y="1789550"/>
+                  </a:lnTo>
+                  <a:lnTo>
+                    <a:pt x="74521" y="1870664"/>
+                  </a:lnTo>
+                  <a:lnTo>
+                    <a:pt x="55430" y="1952474"/>
+                  </a:lnTo>
+                  <a:lnTo>
+                    <a:pt x="39128" y="2034885"/>
+                  </a:lnTo>
+                  <a:lnTo>
+                    <a:pt x="25635" y="2117802"/>
+                  </a:lnTo>
+                  <a:lnTo>
+                    <a:pt x="14964" y="2201129"/>
+                  </a:lnTo>
+                  <a:lnTo>
+                    <a:pt x="7129" y="2284771"/>
+                  </a:lnTo>
+                  <a:lnTo>
+                    <a:pt x="2139" y="2368630"/>
+                  </a:lnTo>
+                  <a:lnTo>
+                    <a:pt x="0" y="2452611"/>
+                  </a:lnTo>
+                  <a:lnTo>
+                    <a:pt x="713" y="2536615"/>
+                  </a:lnTo>
+                  <a:lnTo>
+                    <a:pt x="4278" y="2620547"/>
+                  </a:lnTo>
+                  <a:lnTo>
+                    <a:pt x="10692" y="2704310"/>
+                  </a:lnTo>
+                  <a:lnTo>
+                    <a:pt x="19946" y="2787806"/>
+                  </a:lnTo>
+                  <a:lnTo>
+                    <a:pt x="32029" y="2870941"/>
+                  </a:lnTo>
+                  <a:lnTo>
+                    <a:pt x="46929" y="2953616"/>
+                  </a:lnTo>
+                  <a:lnTo>
+                    <a:pt x="64628" y="3035739"/>
+                  </a:lnTo>
+                  <a:lnTo>
+                    <a:pt x="85105" y="3117212"/>
+                  </a:lnTo>
+                  <a:lnTo>
+                    <a:pt x="108337" y="3197944"/>
+                  </a:lnTo>
+                  <a:lnTo>
+                    <a:pt x="134297" y="3277840"/>
+                  </a:lnTo>
+                  <a:lnTo>
+                    <a:pt x="162955" y="3356809"/>
+                  </a:lnTo>
+                  <a:lnTo>
+                    <a:pt x="194277" y="3434758"/>
+                  </a:lnTo>
+                  <a:lnTo>
+                    <a:pt x="228229" y="3511600"/>
+                  </a:lnTo>
+                  <a:lnTo>
+                    <a:pt x="264770" y="3587244"/>
+                  </a:lnTo>
+                  <a:lnTo>
+                    <a:pt x="303859" y="3661603"/>
+                  </a:lnTo>
+                  <a:lnTo>
+                    <a:pt x="345451" y="3734593"/>
+                  </a:lnTo>
+                  <a:lnTo>
+                    <a:pt x="389497" y="3806128"/>
+                  </a:lnTo>
+                  <a:lnTo>
+                    <a:pt x="435946" y="3876126"/>
+                  </a:lnTo>
+                  <a:lnTo>
+                    <a:pt x="484746" y="3944506"/>
+                  </a:lnTo>
+                  <a:lnTo>
+                    <a:pt x="535839" y="4011190"/>
+                  </a:lnTo>
+                  <a:lnTo>
+                    <a:pt x="589168" y="4076101"/>
+                  </a:lnTo>
+                  <a:lnTo>
+                    <a:pt x="644669" y="4139163"/>
+                  </a:lnTo>
+                  <a:lnTo>
+                    <a:pt x="702281" y="4200304"/>
+                  </a:lnTo>
+                  <a:lnTo>
+                    <a:pt x="761935" y="4259454"/>
+                  </a:lnTo>
+                  <a:lnTo>
+                    <a:pt x="823563" y="4316544"/>
+                  </a:lnTo>
+                  <a:lnTo>
+                    <a:pt x="887094" y="4371508"/>
+                  </a:lnTo>
+                  <a:lnTo>
+                    <a:pt x="952455" y="4424284"/>
+                  </a:lnTo>
+                  <a:lnTo>
+                    <a:pt x="1019570" y="4474809"/>
+                  </a:lnTo>
+                  <a:lnTo>
+                    <a:pt x="1088363" y="4523026"/>
+                  </a:lnTo>
+                  <a:lnTo>
+                    <a:pt x="1158753" y="4568880"/>
+                  </a:lnTo>
+                  <a:lnTo>
+                    <a:pt x="1230659" y="4612317"/>
+                  </a:lnTo>
+                  <a:lnTo>
+                    <a:pt x="1303999" y="4653287"/>
+                  </a:lnTo>
+                  <a:lnTo>
+                    <a:pt x="1378688" y="4691743"/>
+                  </a:lnTo>
+                  <a:lnTo>
+                    <a:pt x="1454640" y="4727641"/>
+                  </a:lnTo>
+                  <a:lnTo>
+                    <a:pt x="1531766" y="4760939"/>
+                  </a:lnTo>
+                  <a:lnTo>
+                    <a:pt x="1609979" y="4791599"/>
+                  </a:lnTo>
+                  <a:lnTo>
+                    <a:pt x="1689188" y="4819585"/>
+                  </a:lnTo>
+                  <a:lnTo>
+                    <a:pt x="1769302" y="4844866"/>
+                  </a:lnTo>
+                  <a:lnTo>
+                    <a:pt x="1850228" y="4867411"/>
+                  </a:lnTo>
+                  <a:lnTo>
+                    <a:pt x="1931873" y="4887196"/>
+                  </a:lnTo>
+                  <a:lnTo>
+                    <a:pt x="2014142" y="4904196"/>
+                  </a:lnTo>
+                  <a:lnTo>
+                    <a:pt x="2096941" y="4918394"/>
+                  </a:lnTo>
+                  <a:lnTo>
+                    <a:pt x="2180175" y="4929771"/>
+                  </a:lnTo>
+                  <a:lnTo>
+                    <a:pt x="2263747" y="4938316"/>
+                  </a:lnTo>
+                  <a:lnTo>
+                    <a:pt x="2347561" y="4944018"/>
+                  </a:lnTo>
+                  <a:lnTo>
+                    <a:pt x="2431520" y="4946871"/>
+                  </a:lnTo>
+                  <a:lnTo>
+                    <a:pt x="2515528" y="4946871"/>
+                  </a:lnTo>
+                  <a:lnTo>
+                    <a:pt x="2599487" y="4944018"/>
+                  </a:lnTo>
+                  <a:lnTo>
+                    <a:pt x="2683301" y="4938316"/>
+                  </a:lnTo>
+                  <a:lnTo>
+                    <a:pt x="2766873" y="4929771"/>
+                  </a:lnTo>
+                  <a:lnTo>
+                    <a:pt x="2850107" y="4918394"/>
+                  </a:lnTo>
+                  <a:lnTo>
+                    <a:pt x="2932906" y="4904196"/>
+                  </a:lnTo>
+                  <a:lnTo>
+                    <a:pt x="3015176" y="4887196"/>
+                  </a:lnTo>
+                  <a:lnTo>
+                    <a:pt x="3096821" y="4867411"/>
+                  </a:lnTo>
+                  <a:lnTo>
+                    <a:pt x="3177747" y="4844866"/>
+                  </a:lnTo>
+                  <a:lnTo>
+                    <a:pt x="3257860" y="4819585"/>
+                  </a:lnTo>
+                  <a:lnTo>
+                    <a:pt x="3337069" y="4791599"/>
+                  </a:lnTo>
+                  <a:lnTo>
+                    <a:pt x="3415282" y="4760939"/>
+                  </a:lnTo>
+                  <a:lnTo>
+                    <a:pt x="3492409" y="4727641"/>
+                  </a:lnTo>
+                  <a:lnTo>
+                    <a:pt x="3568361" y="4691743"/>
+                  </a:lnTo>
+                  <a:lnTo>
+                    <a:pt x="3643049" y="4653287"/>
+                  </a:lnTo>
+                  <a:lnTo>
+                    <a:pt x="3716389" y="4612317"/>
+                  </a:lnTo>
+                  <a:lnTo>
+                    <a:pt x="3788296" y="4568880"/>
+                  </a:lnTo>
+                  <a:lnTo>
+                    <a:pt x="3858686" y="4523026"/>
+                  </a:lnTo>
+                  <a:lnTo>
+                    <a:pt x="3927478" y="4474809"/>
+                  </a:lnTo>
+                  <a:lnTo>
+                    <a:pt x="3994593" y="4424284"/>
+                  </a:lnTo>
+                  <a:lnTo>
+                    <a:pt x="4059954" y="4371508"/>
+                  </a:lnTo>
+                  <a:lnTo>
+                    <a:pt x="4123486" y="4316544"/>
+                  </a:lnTo>
+                  <a:lnTo>
+                    <a:pt x="4185114" y="4259454"/>
+                  </a:lnTo>
+                  <a:lnTo>
+                    <a:pt x="4244768" y="4200304"/>
+                  </a:lnTo>
+                  <a:lnTo>
+                    <a:pt x="4302379" y="4139163"/>
+                  </a:lnTo>
+                  <a:lnTo>
+                    <a:pt x="4357881" y="4076101"/>
+                  </a:lnTo>
+                  <a:lnTo>
+                    <a:pt x="4411209" y="4011190"/>
+                  </a:lnTo>
+                  <a:lnTo>
+                    <a:pt x="4462303" y="3944506"/>
+                  </a:lnTo>
+                  <a:lnTo>
+                    <a:pt x="4511102" y="3876126"/>
+                  </a:lnTo>
+                  <a:lnTo>
+                    <a:pt x="4557552" y="3806128"/>
+                  </a:lnTo>
+                  <a:lnTo>
+                    <a:pt x="4601598" y="3734593"/>
+                  </a:lnTo>
+                  <a:lnTo>
+                    <a:pt x="4643189" y="3661603"/>
+                  </a:lnTo>
+                  <a:lnTo>
+                    <a:pt x="4682278" y="3587244"/>
+                  </a:lnTo>
+                  <a:lnTo>
+                    <a:pt x="4718819" y="3511600"/>
+                  </a:lnTo>
+                  <a:lnTo>
+                    <a:pt x="4752771" y="3434758"/>
+                  </a:lnTo>
+                  <a:lnTo>
+                    <a:pt x="4784094" y="3356809"/>
+                  </a:lnTo>
+                  <a:lnTo>
+                    <a:pt x="4812752" y="3277840"/>
+                  </a:lnTo>
+                  <a:lnTo>
+                    <a:pt x="4838712" y="3197944"/>
+                  </a:lnTo>
+                  <a:lnTo>
+                    <a:pt x="4861943" y="3117212"/>
+                  </a:lnTo>
+                  <a:lnTo>
+                    <a:pt x="4882421" y="3035739"/>
+                  </a:lnTo>
+                  <a:lnTo>
+                    <a:pt x="4900119" y="2953616"/>
+                  </a:lnTo>
+                  <a:lnTo>
+                    <a:pt x="4915019" y="2870941"/>
+                  </a:lnTo>
+                  <a:lnTo>
+                    <a:pt x="4927103" y="2787806"/>
+                  </a:lnTo>
+                  <a:lnTo>
+                    <a:pt x="4936357" y="2704310"/>
+                  </a:lnTo>
+                  <a:lnTo>
+                    <a:pt x="4942770" y="2620547"/>
+                  </a:lnTo>
+                  <a:lnTo>
+                    <a:pt x="4946336" y="2536615"/>
+                  </a:lnTo>
+                  <a:lnTo>
+                    <a:pt x="4947049" y="2452611"/>
+                  </a:lnTo>
+                  <a:lnTo>
+                    <a:pt x="4944909" y="2368630"/>
+                  </a:lnTo>
+                  <a:lnTo>
+                    <a:pt x="4939919" y="2284771"/>
+                  </a:lnTo>
+                  <a:lnTo>
+                    <a:pt x="4932084" y="2201129"/>
+                  </a:lnTo>
+                  <a:lnTo>
+                    <a:pt x="4921414" y="2117802"/>
+                  </a:lnTo>
+                  <a:lnTo>
+                    <a:pt x="4907920" y="2034885"/>
+                  </a:lnTo>
+                  <a:lnTo>
+                    <a:pt x="4891619" y="1952474"/>
+                  </a:lnTo>
+                  <a:lnTo>
+                    <a:pt x="4872528" y="1870664"/>
+                  </a:lnTo>
+                  <a:lnTo>
+                    <a:pt x="4850670" y="1789550"/>
+                  </a:lnTo>
+                  <a:lnTo>
+                    <a:pt x="4826071" y="1709225"/>
+                  </a:lnTo>
+                  <a:lnTo>
+                    <a:pt x="4798758" y="1629781"/>
+                  </a:lnTo>
+                  <a:lnTo>
+                    <a:pt x="4768763" y="1551310"/>
+                  </a:lnTo>
+                  <a:lnTo>
+                    <a:pt x="4736122" y="1473904"/>
+                  </a:lnTo>
+                  <a:lnTo>
+                    <a:pt x="4700870" y="1397650"/>
+                  </a:lnTo>
+                  <a:lnTo>
+                    <a:pt x="4663049" y="1322637"/>
+                  </a:lnTo>
+                  <a:lnTo>
+                    <a:pt x="4622703" y="1248952"/>
+                  </a:lnTo>
+                  <a:lnTo>
+                    <a:pt x="4579879" y="1176680"/>
+                  </a:lnTo>
+                  <a:lnTo>
+                    <a:pt x="4534624" y="1105903"/>
+                  </a:lnTo>
+                  <a:lnTo>
+                    <a:pt x="4486993" y="1036704"/>
+                  </a:lnTo>
+                  <a:lnTo>
+                    <a:pt x="4437039" y="969162"/>
+                  </a:lnTo>
+                  <a:lnTo>
+                    <a:pt x="4384821" y="903355"/>
+                  </a:lnTo>
+                  <a:lnTo>
+                    <a:pt x="4330398" y="839359"/>
+                  </a:lnTo>
+                  <a:lnTo>
+                    <a:pt x="4273833" y="777249"/>
+                  </a:lnTo>
+                  <a:lnTo>
+                    <a:pt x="4215192" y="717094"/>
+                  </a:lnTo>
+                  <a:lnTo>
+                    <a:pt x="4154542" y="658966"/>
+                  </a:lnTo>
+                  <a:lnTo>
+                    <a:pt x="4091953" y="602931"/>
+                  </a:lnTo>
+                  <a:lnTo>
+                    <a:pt x="4027498" y="549053"/>
+                  </a:lnTo>
+                  <a:lnTo>
+                    <a:pt x="3961250" y="497396"/>
+                  </a:lnTo>
+                  <a:lnTo>
+                    <a:pt x="3893287" y="448017"/>
+                  </a:lnTo>
+                  <a:lnTo>
+                    <a:pt x="3823685" y="400975"/>
+                  </a:lnTo>
+                  <a:lnTo>
+                    <a:pt x="3752527" y="356323"/>
+                  </a:lnTo>
+                  <a:lnTo>
+                    <a:pt x="3679893" y="314114"/>
+                  </a:lnTo>
+                  <a:lnTo>
+                    <a:pt x="3605868" y="274395"/>
+                  </a:lnTo>
+                  <a:lnTo>
+                    <a:pt x="3530537" y="237212"/>
+                  </a:lnTo>
+                  <a:lnTo>
+                    <a:pt x="3453987" y="202609"/>
+                  </a:lnTo>
+                  <a:lnTo>
+                    <a:pt x="3376306" y="170626"/>
+                  </a:lnTo>
+                  <a:lnTo>
+                    <a:pt x="3297584" y="141299"/>
+                  </a:lnTo>
+                  <a:lnTo>
+                    <a:pt x="3217911" y="114661"/>
+                  </a:lnTo>
+                  <a:lnTo>
+                    <a:pt x="3137379" y="90745"/>
+                  </a:lnTo>
+                  <a:lnTo>
+                    <a:pt x="3056082" y="69577"/>
+                  </a:lnTo>
+                  <a:lnTo>
+                    <a:pt x="2974113" y="51182"/>
+                  </a:lnTo>
+                  <a:lnTo>
+                    <a:pt x="2891567" y="35580"/>
+                  </a:lnTo>
+                  <a:lnTo>
+                    <a:pt x="2808539" y="22791"/>
+                  </a:lnTo>
+                  <a:lnTo>
+                    <a:pt x="2725124" y="12828"/>
+                  </a:lnTo>
+                  <a:lnTo>
+                    <a:pt x="2641419" y="5704"/>
+                  </a:lnTo>
+                  <a:lnTo>
+                    <a:pt x="2557520" y="1426"/>
+                  </a:lnTo>
+                  <a:lnTo>
+                    <a:pt x="2473524" y="0"/>
+                  </a:lnTo>
+                  <a:lnTo>
+                    <a:pt x="2473524" y="85297"/>
+                  </a:lnTo>
+                  <a:lnTo>
+                    <a:pt x="2473524" y="170594"/>
+                  </a:lnTo>
+                  <a:lnTo>
+                    <a:pt x="2473524" y="255891"/>
+                  </a:lnTo>
+                  <a:lnTo>
+                    <a:pt x="2473524" y="341188"/>
+                  </a:lnTo>
+                  <a:lnTo>
+                    <a:pt x="2473524" y="426485"/>
+                  </a:lnTo>
+                  <a:lnTo>
+                    <a:pt x="2473524" y="511782"/>
+                  </a:lnTo>
+                  <a:lnTo>
+                    <a:pt x="2473524" y="597079"/>
+                  </a:lnTo>
+                  <a:lnTo>
+                    <a:pt x="2473524" y="682376"/>
+                  </a:lnTo>
+                  <a:lnTo>
+                    <a:pt x="2473524" y="767673"/>
+                  </a:lnTo>
+                  <a:lnTo>
+                    <a:pt x="2473524" y="852970"/>
+                  </a:lnTo>
+                  <a:lnTo>
+                    <a:pt x="2473524" y="938267"/>
+                  </a:lnTo>
+                  <a:lnTo>
+                    <a:pt x="2473524" y="1023564"/>
+                  </a:lnTo>
+                  <a:lnTo>
+                    <a:pt x="2473524" y="1108861"/>
+                  </a:lnTo>
+                  <a:lnTo>
+                    <a:pt x="2473524" y="1194158"/>
+                  </a:lnTo>
+                  <a:lnTo>
+                    <a:pt x="2473524" y="1279455"/>
+                  </a:lnTo>
+                  <a:lnTo>
+                    <a:pt x="2473524" y="1364752"/>
+                  </a:lnTo>
+                  <a:lnTo>
+                    <a:pt x="2473524" y="1450049"/>
+                  </a:lnTo>
+                  <a:lnTo>
+                    <a:pt x="2473524" y="1535346"/>
+                  </a:lnTo>
+                  <a:lnTo>
+                    <a:pt x="2473524" y="1620643"/>
+                  </a:lnTo>
+                  <a:lnTo>
+                    <a:pt x="2473524" y="1705940"/>
+                  </a:lnTo>
+                  <a:lnTo>
+                    <a:pt x="2473524" y="1791237"/>
+                  </a:lnTo>
+                  <a:lnTo>
+                    <a:pt x="2473524" y="1876534"/>
+                  </a:lnTo>
+                  <a:lnTo>
+                    <a:pt x="2473524" y="1961831"/>
+                  </a:lnTo>
+                  <a:lnTo>
+                    <a:pt x="2473524" y="2047128"/>
+                  </a:lnTo>
+                  <a:lnTo>
+                    <a:pt x="2473524" y="2132425"/>
+                  </a:lnTo>
+                  <a:lnTo>
+                    <a:pt x="2473524" y="2217722"/>
+                  </a:lnTo>
+                  <a:lnTo>
+                    <a:pt x="2473524" y="2303019"/>
+                  </a:lnTo>
+                  <a:lnTo>
+                    <a:pt x="2473524" y="2388316"/>
                   </a:lnTo>
                   <a:close/>
                 </a:path>
@@ -3474,420 +3061,13 @@
         </p:sp>
         <p:sp>
           <p:nvSpPr>
-            <p:cNvPr id="8" name="pg7"/>
+            <p:cNvPr id="6" name="tx5"/>
             <p:cNvSpPr/>
             <p:nvPr/>
           </p:nvSpPr>
           <p:spPr>
             <a:xfrm>
-              <a:off x="5170081" y="1749568"/>
-              <a:ext cx="316318" cy="2473613"/>
-            </a:xfrm>
-            <a:custGeom>
-              <a:avLst/>
-              <a:pathLst>
-                <a:path w="316318" h="2473613">
-                  <a:moveTo>
-                    <a:pt x="316318" y="2473613"/>
-                  </a:moveTo>
-                  <a:lnTo>
-                    <a:pt x="316318" y="2388316"/>
-                  </a:lnTo>
-                  <a:lnTo>
-                    <a:pt x="316318" y="2303019"/>
-                  </a:lnTo>
-                  <a:lnTo>
-                    <a:pt x="316318" y="2217722"/>
-                  </a:lnTo>
-                  <a:lnTo>
-                    <a:pt x="316318" y="2132425"/>
-                  </a:lnTo>
-                  <a:lnTo>
-                    <a:pt x="316318" y="2047128"/>
-                  </a:lnTo>
-                  <a:lnTo>
-                    <a:pt x="316318" y="1961831"/>
-                  </a:lnTo>
-                  <a:lnTo>
-                    <a:pt x="316318" y="1876534"/>
-                  </a:lnTo>
-                  <a:lnTo>
-                    <a:pt x="316318" y="1791237"/>
-                  </a:lnTo>
-                  <a:lnTo>
-                    <a:pt x="316318" y="1705940"/>
-                  </a:lnTo>
-                  <a:lnTo>
-                    <a:pt x="316318" y="1620643"/>
-                  </a:lnTo>
-                  <a:lnTo>
-                    <a:pt x="316318" y="1535346"/>
-                  </a:lnTo>
-                  <a:lnTo>
-                    <a:pt x="316318" y="1450049"/>
-                  </a:lnTo>
-                  <a:lnTo>
-                    <a:pt x="316318" y="1364752"/>
-                  </a:lnTo>
-                  <a:lnTo>
-                    <a:pt x="316318" y="1279455"/>
-                  </a:lnTo>
-                  <a:lnTo>
-                    <a:pt x="316318" y="1194158"/>
-                  </a:lnTo>
-                  <a:lnTo>
-                    <a:pt x="316318" y="1108861"/>
-                  </a:lnTo>
-                  <a:lnTo>
-                    <a:pt x="316318" y="1023564"/>
-                  </a:lnTo>
-                  <a:lnTo>
-                    <a:pt x="316318" y="938267"/>
-                  </a:lnTo>
-                  <a:lnTo>
-                    <a:pt x="316318" y="852970"/>
-                  </a:lnTo>
-                  <a:lnTo>
-                    <a:pt x="316318" y="767673"/>
-                  </a:lnTo>
-                  <a:lnTo>
-                    <a:pt x="316318" y="682376"/>
-                  </a:lnTo>
-                  <a:lnTo>
-                    <a:pt x="316318" y="597079"/>
-                  </a:lnTo>
-                  <a:lnTo>
-                    <a:pt x="316318" y="511782"/>
-                  </a:lnTo>
-                  <a:lnTo>
-                    <a:pt x="316318" y="426485"/>
-                  </a:lnTo>
-                  <a:lnTo>
-                    <a:pt x="316318" y="341188"/>
-                  </a:lnTo>
-                  <a:lnTo>
-                    <a:pt x="316318" y="255891"/>
-                  </a:lnTo>
-                  <a:lnTo>
-                    <a:pt x="316318" y="170594"/>
-                  </a:lnTo>
-                  <a:lnTo>
-                    <a:pt x="316318" y="85297"/>
-                  </a:lnTo>
-                  <a:lnTo>
-                    <a:pt x="316318" y="0"/>
-                  </a:lnTo>
-                  <a:lnTo>
-                    <a:pt x="210621" y="2259"/>
-                  </a:lnTo>
-                  <a:lnTo>
-                    <a:pt x="105118" y="9032"/>
-                  </a:lnTo>
-                  <a:lnTo>
-                    <a:pt x="0" y="20308"/>
-                  </a:lnTo>
-                  <a:lnTo>
-                    <a:pt x="10907" y="104905"/>
-                  </a:lnTo>
-                  <a:lnTo>
-                    <a:pt x="21815" y="189501"/>
-                  </a:lnTo>
-                  <a:lnTo>
-                    <a:pt x="32722" y="274098"/>
-                  </a:lnTo>
-                  <a:lnTo>
-                    <a:pt x="43630" y="358695"/>
-                  </a:lnTo>
-                  <a:lnTo>
-                    <a:pt x="54537" y="443292"/>
-                  </a:lnTo>
-                  <a:lnTo>
-                    <a:pt x="65445" y="527888"/>
-                  </a:lnTo>
-                  <a:lnTo>
-                    <a:pt x="76352" y="612485"/>
-                  </a:lnTo>
-                  <a:lnTo>
-                    <a:pt x="87260" y="697082"/>
-                  </a:lnTo>
-                  <a:lnTo>
-                    <a:pt x="98167" y="781679"/>
-                  </a:lnTo>
-                  <a:lnTo>
-                    <a:pt x="109075" y="866275"/>
-                  </a:lnTo>
-                  <a:lnTo>
-                    <a:pt x="119982" y="950872"/>
-                  </a:lnTo>
-                  <a:lnTo>
-                    <a:pt x="130890" y="1035469"/>
-                  </a:lnTo>
-                  <a:lnTo>
-                    <a:pt x="141798" y="1120066"/>
-                  </a:lnTo>
-                  <a:lnTo>
-                    <a:pt x="152705" y="1204662"/>
-                  </a:lnTo>
-                  <a:lnTo>
-                    <a:pt x="163613" y="1289259"/>
-                  </a:lnTo>
-                  <a:lnTo>
-                    <a:pt x="174520" y="1373856"/>
-                  </a:lnTo>
-                  <a:lnTo>
-                    <a:pt x="185428" y="1458452"/>
-                  </a:lnTo>
-                  <a:lnTo>
-                    <a:pt x="196335" y="1543049"/>
-                  </a:lnTo>
-                  <a:lnTo>
-                    <a:pt x="207243" y="1627646"/>
-                  </a:lnTo>
-                  <a:lnTo>
-                    <a:pt x="218150" y="1712243"/>
-                  </a:lnTo>
-                  <a:lnTo>
-                    <a:pt x="229058" y="1796839"/>
-                  </a:lnTo>
-                  <a:lnTo>
-                    <a:pt x="239965" y="1881436"/>
-                  </a:lnTo>
-                  <a:lnTo>
-                    <a:pt x="250873" y="1966033"/>
-                  </a:lnTo>
-                  <a:lnTo>
-                    <a:pt x="261781" y="2050630"/>
-                  </a:lnTo>
-                  <a:lnTo>
-                    <a:pt x="272688" y="2135226"/>
-                  </a:lnTo>
-                  <a:lnTo>
-                    <a:pt x="283596" y="2219823"/>
-                  </a:lnTo>
-                  <a:lnTo>
-                    <a:pt x="294503" y="2304420"/>
-                  </a:lnTo>
-                  <a:lnTo>
-                    <a:pt x="305411" y="2389017"/>
-                  </a:lnTo>
-                  <a:close/>
-                </a:path>
-              </a:pathLst>
-            </a:custGeom>
-            <a:solidFill>
-              <a:srgbClr val="819595">
-                <a:alpha val="100000"/>
-              </a:srgbClr>
-            </a:solidFill>
-            <a:ln w="13550" cap="flat">
-              <a:solidFill>
-                <a:srgbClr val="000000">
-                  <a:alpha val="100000"/>
-                </a:srgbClr>
-              </a:solidFill>
-              <a:prstDash val="solid"/>
-              <a:miter/>
-            </a:ln>
-          </p:spPr>
-          <p:txBody>
-            <a:bodyPr/>
-            <a:lstStyle/>
-            <a:p/>
-          </p:txBody>
-        </p:sp>
-        <p:sp>
-          <p:nvSpPr>
-            <p:cNvPr id="9" name="tx8"/>
-            <p:cNvSpPr/>
-            <p:nvPr/>
-          </p:nvSpPr>
-          <p:spPr>
-            <a:xfrm>
-              <a:off x="4915106" y="2706835"/>
-              <a:ext cx="1301071" cy="203576"/>
-            </a:xfrm>
-            <a:prstGeom prst="rect">
-              <a:avLst/>
-            </a:prstGeom>
-            <a:noFill/>
-          </p:spPr>
-          <p:txBody>
-            <a:bodyPr lIns="0" rIns="0" tIns="0" bIns="0" anchorCtr="1" anchor="ctr" wrap="none"/>
-            <a:lstStyle/>
-            <a:p>
-              <a:pPr algn="l" marL="0" marR="0" indent="0">
-                <a:lnSpc>
-                  <a:spcPts val="1707"/>
-                </a:lnSpc>
-                <a:spcBef>
-                  <a:spcPts val="0"/>
-                </a:spcBef>
-                <a:spcAft>
-                  <a:spcPts val="0"/>
-                </a:spcAft>
-              </a:pPr>
-              <a:r>
-                <a:rPr sz="1707">
-                  <a:solidFill>
-                    <a:srgbClr val="000000">
-                      <a:alpha val="100000"/>
-                    </a:srgbClr>
-                  </a:solidFill>
-                  <a:latin typeface="Arial"/>
-                  <a:cs typeface="Arial"/>
-                </a:rPr>
-                <a:t>TORC2 Only </a:t>
-              </a:r>
-            </a:p>
-          </p:txBody>
-        </p:sp>
-        <p:sp>
-          <p:nvSpPr>
-            <p:cNvPr id="10" name="tx9"/>
-            <p:cNvSpPr/>
-            <p:nvPr/>
-          </p:nvSpPr>
-          <p:spPr>
-            <a:xfrm>
-              <a:off x="5475234" y="3066786"/>
-              <a:ext cx="180816" cy="155832"/>
-            </a:xfrm>
-            <a:prstGeom prst="rect">
-              <a:avLst/>
-            </a:prstGeom>
-            <a:noFill/>
-          </p:spPr>
-          <p:txBody>
-            <a:bodyPr lIns="0" rIns="0" tIns="0" bIns="0" anchorCtr="1" anchor="ctr" wrap="none"/>
-            <a:lstStyle/>
-            <a:p>
-              <a:pPr algn="l" marL="0" marR="0" indent="0">
-                <a:lnSpc>
-                  <a:spcPts val="1707"/>
-                </a:lnSpc>
-                <a:spcBef>
-                  <a:spcPts val="0"/>
-                </a:spcBef>
-                <a:spcAft>
-                  <a:spcPts val="0"/>
-                </a:spcAft>
-              </a:pPr>
-              <a:r>
-                <a:rPr sz="1707">
-                  <a:solidFill>
-                    <a:srgbClr val="000000">
-                      <a:alpha val="100000"/>
-                    </a:srgbClr>
-                  </a:solidFill>
-                  <a:latin typeface="Arial"/>
-                  <a:cs typeface="Arial"/>
-                </a:rPr>
-                <a:t> 1</a:t>
-              </a:r>
-            </a:p>
-          </p:txBody>
-        </p:sp>
-        <p:sp>
-          <p:nvSpPr>
-            <p:cNvPr id="11" name="tx10"/>
-            <p:cNvSpPr/>
-            <p:nvPr/>
-          </p:nvSpPr>
-          <p:spPr>
-            <a:xfrm>
-              <a:off x="5225592" y="2767302"/>
-              <a:ext cx="1301071" cy="203576"/>
-            </a:xfrm>
-            <a:prstGeom prst="rect">
-              <a:avLst/>
-            </a:prstGeom>
-            <a:noFill/>
-          </p:spPr>
-          <p:txBody>
-            <a:bodyPr lIns="0" rIns="0" tIns="0" bIns="0" anchorCtr="1" anchor="ctr" wrap="none"/>
-            <a:lstStyle/>
-            <a:p>
-              <a:pPr algn="l" marL="0" marR="0" indent="0">
-                <a:lnSpc>
-                  <a:spcPts val="1707"/>
-                </a:lnSpc>
-                <a:spcBef>
-                  <a:spcPts val="0"/>
-                </a:spcBef>
-                <a:spcAft>
-                  <a:spcPts val="0"/>
-                </a:spcAft>
-              </a:pPr>
-              <a:r>
-                <a:rPr sz="1707">
-                  <a:solidFill>
-                    <a:srgbClr val="000000">
-                      <a:alpha val="100000"/>
-                    </a:srgbClr>
-                  </a:solidFill>
-                  <a:latin typeface="Arial"/>
-                  <a:cs typeface="Arial"/>
-                </a:rPr>
-                <a:t>TORC1 Only </a:t>
-              </a:r>
-            </a:p>
-          </p:txBody>
-        </p:sp>
-        <p:sp>
-          <p:nvSpPr>
-            <p:cNvPr id="12" name="tx11"/>
-            <p:cNvSpPr/>
-            <p:nvPr/>
-          </p:nvSpPr>
-          <p:spPr>
-            <a:xfrm>
-              <a:off x="5785719" y="3124500"/>
-              <a:ext cx="180816" cy="158584"/>
-            </a:xfrm>
-            <a:prstGeom prst="rect">
-              <a:avLst/>
-            </a:prstGeom>
-            <a:noFill/>
-          </p:spPr>
-          <p:txBody>
-            <a:bodyPr lIns="0" rIns="0" tIns="0" bIns="0" anchorCtr="1" anchor="ctr" wrap="none"/>
-            <a:lstStyle/>
-            <a:p>
-              <a:pPr algn="l" marL="0" marR="0" indent="0">
-                <a:lnSpc>
-                  <a:spcPts val="1707"/>
-                </a:lnSpc>
-                <a:spcBef>
-                  <a:spcPts val="0"/>
-                </a:spcBef>
-                <a:spcAft>
-                  <a:spcPts val="0"/>
-                </a:spcAft>
-              </a:pPr>
-              <a:r>
-                <a:rPr sz="1707">
-                  <a:solidFill>
-                    <a:srgbClr val="000000">
-                      <a:alpha val="100000"/>
-                    </a:srgbClr>
-                  </a:solidFill>
-                  <a:latin typeface="Arial"/>
-                  <a:cs typeface="Arial"/>
-                </a:rPr>
-                <a:t> 3</a:t>
-              </a:r>
-            </a:p>
-          </p:txBody>
-        </p:sp>
-        <p:sp>
-          <p:nvSpPr>
-            <p:cNvPr id="13" name="tx12"/>
-            <p:cNvSpPr/>
-            <p:nvPr/>
-          </p:nvSpPr>
-          <p:spPr>
-            <a:xfrm>
-              <a:off x="4352509" y="5197128"/>
+              <a:off x="4588935" y="5219935"/>
               <a:ext cx="1794928" cy="161548"/>
             </a:xfrm>
             <a:prstGeom prst="rect">
@@ -3927,14 +3107,14 @@
         </p:sp>
         <p:sp>
           <p:nvSpPr>
-            <p:cNvPr id="14" name="tx13"/>
+            <p:cNvPr id="7" name="tx6"/>
             <p:cNvSpPr/>
             <p:nvPr/>
           </p:nvSpPr>
           <p:spPr>
             <a:xfrm>
-              <a:off x="5099275" y="5515686"/>
-              <a:ext cx="301395" cy="155197"/>
+              <a:off x="5148904" y="5530130"/>
+              <a:ext cx="674990" cy="163560"/>
             </a:xfrm>
             <a:prstGeom prst="rect">
               <a:avLst/>
@@ -3966,106 +3146,14 @@
                   <a:latin typeface="Arial"/>
                   <a:cs typeface="Arial"/>
                 </a:rPr>
-                <a:t> 44</a:t>
+                <a:t> 100 %</a:t>
               </a:r>
             </a:p>
           </p:txBody>
         </p:sp>
         <p:sp>
           <p:nvSpPr>
-            <p:cNvPr id="15" name="tx14"/>
-            <p:cNvSpPr/>
-            <p:nvPr/>
-          </p:nvSpPr>
-          <p:spPr>
-            <a:xfrm>
-              <a:off x="4901232" y="2749815"/>
-              <a:ext cx="1011850" cy="160596"/>
-            </a:xfrm>
-            <a:prstGeom prst="rect">
-              <a:avLst/>
-            </a:prstGeom>
-            <a:noFill/>
-          </p:spPr>
-          <p:txBody>
-            <a:bodyPr lIns="0" rIns="0" tIns="0" bIns="0" anchorCtr="1" anchor="ctr" wrap="none"/>
-            <a:lstStyle/>
-            <a:p>
-              <a:pPr algn="l" marL="0" marR="0" indent="0">
-                <a:lnSpc>
-                  <a:spcPts val="1707"/>
-                </a:lnSpc>
-                <a:spcBef>
-                  <a:spcPts val="0"/>
-                </a:spcBef>
-                <a:spcAft>
-                  <a:spcPts val="0"/>
-                </a:spcAft>
-              </a:pPr>
-              <a:r>
-                <a:rPr sz="1707">
-                  <a:solidFill>
-                    <a:srgbClr val="000000">
-                      <a:alpha val="100000"/>
-                    </a:srgbClr>
-                  </a:solidFill>
-                  <a:latin typeface="Arial"/>
-                  <a:cs typeface="Arial"/>
-                </a:rPr>
-                <a:t>No TORC </a:t>
-              </a:r>
-            </a:p>
-          </p:txBody>
-        </p:sp>
-        <p:sp>
-          <p:nvSpPr>
-            <p:cNvPr id="16" name="tx15"/>
-            <p:cNvSpPr/>
-            <p:nvPr/>
-          </p:nvSpPr>
-          <p:spPr>
-            <a:xfrm>
-              <a:off x="5316749" y="3066786"/>
-              <a:ext cx="180816" cy="155832"/>
-            </a:xfrm>
-            <a:prstGeom prst="rect">
-              <a:avLst/>
-            </a:prstGeom>
-            <a:noFill/>
-          </p:spPr>
-          <p:txBody>
-            <a:bodyPr lIns="0" rIns="0" tIns="0" bIns="0" anchorCtr="1" anchor="ctr" wrap="none"/>
-            <a:lstStyle/>
-            <a:p>
-              <a:pPr algn="l" marL="0" marR="0" indent="0">
-                <a:lnSpc>
-                  <a:spcPts val="1707"/>
-                </a:lnSpc>
-                <a:spcBef>
-                  <a:spcPts val="0"/>
-                </a:spcBef>
-                <a:spcAft>
-                  <a:spcPts val="0"/>
-                </a:spcAft>
-              </a:pPr>
-              <a:r>
-                <a:rPr sz="1707">
-                  <a:solidFill>
-                    <a:srgbClr val="000000">
-                      <a:alpha val="100000"/>
-                    </a:srgbClr>
-                  </a:solidFill>
-                  <a:latin typeface="Arial"/>
-                  <a:cs typeface="Arial"/>
-                </a:rPr>
-                <a:t> 1</a:t>
-              </a:r>
-            </a:p>
-          </p:txBody>
-        </p:sp>
-        <p:sp>
-          <p:nvSpPr>
-            <p:cNvPr id="17" name="tx16"/>
+            <p:cNvPr id="8" name="tx7"/>
             <p:cNvSpPr/>
             <p:nvPr/>
           </p:nvSpPr>

--- a/Images/Figures_PPT/ComponentsDiscobaPieChart.pptx
+++ b/Images/Figures_PPT/ComponentsDiscobaPieChart.pptx
@@ -3160,7 +3160,7 @@
           <p:spPr>
             <a:xfrm>
               <a:off x="2394382" y="942733"/>
-              <a:ext cx="2537437" cy="152251"/>
+              <a:ext cx="1722730" cy="152251"/>
             </a:xfrm>
             <a:prstGeom prst="rect">
               <a:avLst/>
@@ -3192,7 +3192,7 @@
                   <a:latin typeface="Times New Roman"/>
                   <a:cs typeface="Times New Roman"/>
                 </a:rPr>
-                <a:t>TOR Complexes Breakdown Discoba</a:t>
+                <a:t>TOR Complexes Discoba</a:t>
               </a:r>
             </a:p>
           </p:txBody>
